--- a/ConditionalTrees_2019.pptx
+++ b/ConditionalTrees_2019.pptx
@@ -258,7 +258,7 @@
           <a:p>
             <a:fld id="{8FE83690-EA7F-4BFD-9CBC-1F7583D14B69}" type="datetimeFigureOut">
               <a:rPr lang="en-GB" smtClean="0"/>
-              <a:t>15/05/2019</a:t>
+              <a:t>16/05/2019</a:t>
             </a:fld>
             <a:endParaRPr lang="en-GB"/>
           </a:p>
@@ -428,7 +428,7 @@
           <a:p>
             <a:fld id="{8FE83690-EA7F-4BFD-9CBC-1F7583D14B69}" type="datetimeFigureOut">
               <a:rPr lang="en-GB" smtClean="0"/>
-              <a:t>15/05/2019</a:t>
+              <a:t>16/05/2019</a:t>
             </a:fld>
             <a:endParaRPr lang="en-GB"/>
           </a:p>
@@ -608,7 +608,7 @@
           <a:p>
             <a:fld id="{8FE83690-EA7F-4BFD-9CBC-1F7583D14B69}" type="datetimeFigureOut">
               <a:rPr lang="en-GB" smtClean="0"/>
-              <a:t>15/05/2019</a:t>
+              <a:t>16/05/2019</a:t>
             </a:fld>
             <a:endParaRPr lang="en-GB"/>
           </a:p>
@@ -778,7 +778,7 @@
           <a:p>
             <a:fld id="{8FE83690-EA7F-4BFD-9CBC-1F7583D14B69}" type="datetimeFigureOut">
               <a:rPr lang="en-GB" smtClean="0"/>
-              <a:t>15/05/2019</a:t>
+              <a:t>16/05/2019</a:t>
             </a:fld>
             <a:endParaRPr lang="en-GB"/>
           </a:p>
@@ -1022,7 +1022,7 @@
           <a:p>
             <a:fld id="{8FE83690-EA7F-4BFD-9CBC-1F7583D14B69}" type="datetimeFigureOut">
               <a:rPr lang="en-GB" smtClean="0"/>
-              <a:t>15/05/2019</a:t>
+              <a:t>16/05/2019</a:t>
             </a:fld>
             <a:endParaRPr lang="en-GB"/>
           </a:p>
@@ -1254,7 +1254,7 @@
           <a:p>
             <a:fld id="{8FE83690-EA7F-4BFD-9CBC-1F7583D14B69}" type="datetimeFigureOut">
               <a:rPr lang="en-GB" smtClean="0"/>
-              <a:t>15/05/2019</a:t>
+              <a:t>16/05/2019</a:t>
             </a:fld>
             <a:endParaRPr lang="en-GB"/>
           </a:p>
@@ -1621,7 +1621,7 @@
           <a:p>
             <a:fld id="{8FE83690-EA7F-4BFD-9CBC-1F7583D14B69}" type="datetimeFigureOut">
               <a:rPr lang="en-GB" smtClean="0"/>
-              <a:t>15/05/2019</a:t>
+              <a:t>16/05/2019</a:t>
             </a:fld>
             <a:endParaRPr lang="en-GB"/>
           </a:p>
@@ -1739,7 +1739,7 @@
           <a:p>
             <a:fld id="{8FE83690-EA7F-4BFD-9CBC-1F7583D14B69}" type="datetimeFigureOut">
               <a:rPr lang="en-GB" smtClean="0"/>
-              <a:t>15/05/2019</a:t>
+              <a:t>16/05/2019</a:t>
             </a:fld>
             <a:endParaRPr lang="en-GB"/>
           </a:p>
@@ -1834,7 +1834,7 @@
           <a:p>
             <a:fld id="{8FE83690-EA7F-4BFD-9CBC-1F7583D14B69}" type="datetimeFigureOut">
               <a:rPr lang="en-GB" smtClean="0"/>
-              <a:t>15/05/2019</a:t>
+              <a:t>16/05/2019</a:t>
             </a:fld>
             <a:endParaRPr lang="en-GB"/>
           </a:p>
@@ -2111,7 +2111,7 @@
           <a:p>
             <a:fld id="{8FE83690-EA7F-4BFD-9CBC-1F7583D14B69}" type="datetimeFigureOut">
               <a:rPr lang="en-GB" smtClean="0"/>
-              <a:t>15/05/2019</a:t>
+              <a:t>16/05/2019</a:t>
             </a:fld>
             <a:endParaRPr lang="en-GB"/>
           </a:p>
@@ -2368,7 +2368,7 @@
           <a:p>
             <a:fld id="{8FE83690-EA7F-4BFD-9CBC-1F7583D14B69}" type="datetimeFigureOut">
               <a:rPr lang="en-GB" smtClean="0"/>
-              <a:t>15/05/2019</a:t>
+              <a:t>16/05/2019</a:t>
             </a:fld>
             <a:endParaRPr lang="en-GB"/>
           </a:p>
@@ -2581,7 +2581,7 @@
           <a:p>
             <a:fld id="{8FE83690-EA7F-4BFD-9CBC-1F7583D14B69}" type="datetimeFigureOut">
               <a:rPr lang="en-GB" smtClean="0"/>
-              <a:t>15/05/2019</a:t>
+              <a:t>16/05/2019</a:t>
             </a:fld>
             <a:endParaRPr lang="en-GB"/>
           </a:p>
@@ -3401,7 +3401,7 @@
                 <a:latin typeface="Courier New" panose="02070309020205020404" pitchFamily="49" charset="0"/>
                 <a:cs typeface="Courier New" panose="02070309020205020404" pitchFamily="49" charset="0"/>
               </a:rPr>
-              <a:t>&gt; library(party) #you need to install it first!</a:t>
+              <a:t>&gt; library(party)</a:t>
             </a:r>
           </a:p>
           <a:p>
@@ -3476,27 +3476,7 @@
                 <a:latin typeface="Courier New" panose="02070309020205020404" pitchFamily="49" charset="0"/>
                 <a:cs typeface="Courier New" panose="02070309020205020404" pitchFamily="49" charset="0"/>
               </a:rPr>
-              <a:t> + Century + Register + </a:t>
-            </a:r>
-            <a:r>
-              <a:rPr lang="en-GB" sz="2400" b="1" dirty="0" err="1">
-                <a:solidFill>
-                  <a:srgbClr val="0000CC"/>
-                </a:solidFill>
-                <a:latin typeface="Courier New" panose="02070309020205020404" pitchFamily="49" charset="0"/>
-                <a:cs typeface="Courier New" panose="02070309020205020404" pitchFamily="49" charset="0"/>
-              </a:rPr>
-              <a:t>Eval</a:t>
-            </a:r>
-            <a:r>
-              <a:rPr lang="en-GB" sz="2400" b="1" dirty="0">
-                <a:solidFill>
-                  <a:srgbClr val="0000CC"/>
-                </a:solidFill>
-                <a:latin typeface="Courier New" panose="02070309020205020404" pitchFamily="49" charset="0"/>
-                <a:cs typeface="Courier New" panose="02070309020205020404" pitchFamily="49" charset="0"/>
-              </a:rPr>
-              <a:t>, data = nerd, controls = </a:t>
+              <a:t> + Century + Register + Eval, data = nerd, controls = </a:t>
             </a:r>
             <a:r>
               <a:rPr lang="en-GB" sz="2400" b="1" dirty="0" err="1">
@@ -5030,13 +5010,13 @@
         <p:spPr/>
         <p:txBody>
           <a:bodyPr>
-            <a:normAutofit lnSpcReduction="10000"/>
+            <a:normAutofit/>
           </a:bodyPr>
           <a:lstStyle/>
           <a:p>
             <a:r>
               <a:rPr lang="en-GB" dirty="0"/>
-              <a:t>Yesterday, we tested the associations a) between the use of nerd or geek in COCA and the time period (XX or XXI century), and b) between the use of nerd or geek and evaluation in the contexts.</a:t>
+              <a:t>We’ve tested pairwise associations between the use of nerd or geek in COCA and different contextual variables. </a:t>
             </a:r>
           </a:p>
           <a:p>
